--- a/doc/Sensors-Locations-And-Names.pptx
+++ b/doc/Sensors-Locations-And-Names.pptx
@@ -1667,7 +1667,7 @@
           <a:bodyPr lIns="0" rIns="0" tIns="0" bIns="0"/>
           <a:p>
             <a:pPr algn="r"/>
-            <a:fld id="{26844557-7218-4F66-8C72-C193157B636A}" type="slidenum">
+            <a:fld id="{2C1E3440-B426-4019-BF6F-BB07DAF468DF}" type="slidenum">
               <a:rPr b="0" lang="en-US" sz="1400" spc="-1" strike="noStrike">
                 <a:latin typeface="Times New Roman"/>
               </a:rPr>
